--- a/2_Supervised_Learning.pptx
+++ b/2_Supervised_Learning.pptx
@@ -181,6 +181,11 @@
       </a:defRPr>
     </a:lvl9pPr>
   </p:defaultTextStyle>
+  <p:extLst>
+    <p:ext uri="{EFAFB233-063F-42B5-8137-9DF3F51BA10A}">
+      <p15:sldGuideLst xmlns:p15="http://schemas.microsoft.com/office/powerpoint/2012/main"/>
+    </p:ext>
+  </p:extLst>
 </p:presentation>
 </file>
 
@@ -331,7 +336,7 @@
           <a:p>
             <a:fld id="{FA9990B5-254E-40FE-9F68-930B6ABEB22F}" type="datetimeFigureOut">
               <a:rPr lang="ko-KR" altLang="en-US" smtClean="0"/>
-              <a:t>2022-04-09</a:t>
+              <a:t>2022-04-11</a:t>
             </a:fld>
             <a:endParaRPr lang="ko-KR" altLang="en-US"/>
           </a:p>
@@ -529,7 +534,7 @@
           <a:p>
             <a:fld id="{FA9990B5-254E-40FE-9F68-930B6ABEB22F}" type="datetimeFigureOut">
               <a:rPr lang="ko-KR" altLang="en-US" smtClean="0"/>
-              <a:t>2022-04-09</a:t>
+              <a:t>2022-04-11</a:t>
             </a:fld>
             <a:endParaRPr lang="ko-KR" altLang="en-US"/>
           </a:p>
@@ -737,7 +742,7 @@
           <a:p>
             <a:fld id="{FA9990B5-254E-40FE-9F68-930B6ABEB22F}" type="datetimeFigureOut">
               <a:rPr lang="ko-KR" altLang="en-US" smtClean="0"/>
-              <a:t>2022-04-09</a:t>
+              <a:t>2022-04-11</a:t>
             </a:fld>
             <a:endParaRPr lang="ko-KR" altLang="en-US"/>
           </a:p>
@@ -935,7 +940,7 @@
           <a:p>
             <a:fld id="{FA9990B5-254E-40FE-9F68-930B6ABEB22F}" type="datetimeFigureOut">
               <a:rPr lang="ko-KR" altLang="en-US" smtClean="0"/>
-              <a:t>2022-04-09</a:t>
+              <a:t>2022-04-11</a:t>
             </a:fld>
             <a:endParaRPr lang="ko-KR" altLang="en-US"/>
           </a:p>
@@ -1210,7 +1215,7 @@
           <a:p>
             <a:fld id="{FA9990B5-254E-40FE-9F68-930B6ABEB22F}" type="datetimeFigureOut">
               <a:rPr lang="ko-KR" altLang="en-US" smtClean="0"/>
-              <a:t>2022-04-09</a:t>
+              <a:t>2022-04-11</a:t>
             </a:fld>
             <a:endParaRPr lang="ko-KR" altLang="en-US"/>
           </a:p>
@@ -1475,7 +1480,7 @@
           <a:p>
             <a:fld id="{FA9990B5-254E-40FE-9F68-930B6ABEB22F}" type="datetimeFigureOut">
               <a:rPr lang="ko-KR" altLang="en-US" smtClean="0"/>
-              <a:t>2022-04-09</a:t>
+              <a:t>2022-04-11</a:t>
             </a:fld>
             <a:endParaRPr lang="ko-KR" altLang="en-US"/>
           </a:p>
@@ -1887,7 +1892,7 @@
           <a:p>
             <a:fld id="{FA9990B5-254E-40FE-9F68-930B6ABEB22F}" type="datetimeFigureOut">
               <a:rPr lang="ko-KR" altLang="en-US" smtClean="0"/>
-              <a:t>2022-04-09</a:t>
+              <a:t>2022-04-11</a:t>
             </a:fld>
             <a:endParaRPr lang="ko-KR" altLang="en-US"/>
           </a:p>
@@ -2028,7 +2033,7 @@
           <a:p>
             <a:fld id="{FA9990B5-254E-40FE-9F68-930B6ABEB22F}" type="datetimeFigureOut">
               <a:rPr lang="ko-KR" altLang="en-US" smtClean="0"/>
-              <a:t>2022-04-09</a:t>
+              <a:t>2022-04-11</a:t>
             </a:fld>
             <a:endParaRPr lang="ko-KR" altLang="en-US"/>
           </a:p>
@@ -2141,7 +2146,7 @@
           <a:p>
             <a:fld id="{FA9990B5-254E-40FE-9F68-930B6ABEB22F}" type="datetimeFigureOut">
               <a:rPr lang="ko-KR" altLang="en-US" smtClean="0"/>
-              <a:t>2022-04-09</a:t>
+              <a:t>2022-04-11</a:t>
             </a:fld>
             <a:endParaRPr lang="ko-KR" altLang="en-US"/>
           </a:p>
@@ -2452,7 +2457,7 @@
           <a:p>
             <a:fld id="{FA9990B5-254E-40FE-9F68-930B6ABEB22F}" type="datetimeFigureOut">
               <a:rPr lang="ko-KR" altLang="en-US" smtClean="0"/>
-              <a:t>2022-04-09</a:t>
+              <a:t>2022-04-11</a:t>
             </a:fld>
             <a:endParaRPr lang="ko-KR" altLang="en-US"/>
           </a:p>
@@ -2740,7 +2745,7 @@
           <a:p>
             <a:fld id="{FA9990B5-254E-40FE-9F68-930B6ABEB22F}" type="datetimeFigureOut">
               <a:rPr lang="ko-KR" altLang="en-US" smtClean="0"/>
-              <a:t>2022-04-09</a:t>
+              <a:t>2022-04-11</a:t>
             </a:fld>
             <a:endParaRPr lang="ko-KR" altLang="en-US"/>
           </a:p>
@@ -2981,7 +2986,7 @@
           <a:p>
             <a:fld id="{FA9990B5-254E-40FE-9F68-930B6ABEB22F}" type="datetimeFigureOut">
               <a:rPr lang="ko-KR" altLang="en-US" smtClean="0"/>
-              <a:t>2022-04-09</a:t>
+              <a:t>2022-04-11</a:t>
             </a:fld>
             <a:endParaRPr lang="ko-KR" altLang="en-US"/>
           </a:p>
@@ -11129,8 +11134,8 @@
           </p:sp>
         </mc:Fallback>
       </mc:AlternateContent>
-      <mc:AlternateContent xmlns:mc="http://schemas.openxmlformats.org/markup-compatibility/2006" xmlns:a14="http://schemas.microsoft.com/office/drawing/2010/main">
-        <mc:Choice Requires="a14">
+      <mc:AlternateContent xmlns:mc="http://schemas.openxmlformats.org/markup-compatibility/2006">
+        <mc:Choice xmlns:a14="http://schemas.microsoft.com/office/drawing/2010/main" Requires="a14">
           <p:sp>
             <p:nvSpPr>
               <p:cNvPr id="3" name="내용 개체 틀 2">
@@ -11158,28 +11163,21 @@
                       <a:srgbClr val="000000"/>
                     </a:solidFill>
                     <a:effectLst/>
-                    <a:latin typeface="noto"/>
                   </a:rPr>
                   <a:t>If the</a:t>
                 </a:r>
                 <a14:m>
                   <m:oMath xmlns:m="http://schemas.openxmlformats.org/officeDocument/2006/math">
                     <m:r>
-                      <a:rPr lang="en-US" altLang="ko-KR" b="0" i="0" smtClean="0">
-                        <a:latin typeface="Cambria Math" panose="02040503050406030204" pitchFamily="18" charset="0"/>
-                      </a:rPr>
+                      <a:rPr lang="en-US" altLang="ko-KR" b="0" i="0" smtClean="0"/>
                       <m:t> </m:t>
                     </m:r>
                     <m:r>
-                      <a:rPr lang="ko-KR" altLang="en-US" i="1">
-                        <a:latin typeface="Cambria Math" panose="02040503050406030204" pitchFamily="18" charset="0"/>
-                      </a:rPr>
+                      <a:rPr lang="ko-KR" altLang="en-US" i="1"/>
                       <m:t>𝛼</m:t>
                     </m:r>
                     <m:r>
-                      <a:rPr lang="en-US" altLang="ko-KR" b="0" i="1" smtClean="0">
-                        <a:latin typeface="Cambria Math" panose="02040503050406030204" pitchFamily="18" charset="0"/>
-                      </a:rPr>
+                      <a:rPr lang="en-US" altLang="ko-KR" b="0" i="1" smtClean="0"/>
                       <m:t> </m:t>
                     </m:r>
                   </m:oMath>
@@ -11190,7 +11188,6 @@
                       <a:srgbClr val="000000"/>
                     </a:solidFill>
                     <a:effectLst/>
-                    <a:latin typeface="noto"/>
                   </a:rPr>
                   <a:t>value is large, the increase in learning parameters decreases and the graph shape becomes simple.</a:t>
                 </a:r>
@@ -11202,28 +11199,21 @@
                       <a:srgbClr val="000000"/>
                     </a:solidFill>
                     <a:effectLst/>
-                    <a:latin typeface="noto"/>
                   </a:rPr>
                   <a:t>Conversely, if the</a:t>
                 </a:r>
                 <a14:m>
                   <m:oMath xmlns:m="http://schemas.openxmlformats.org/officeDocument/2006/math">
                     <m:r>
-                      <a:rPr lang="en-US" altLang="ko-KR" b="0" i="0" smtClean="0">
-                        <a:latin typeface="Cambria Math" panose="02040503050406030204" pitchFamily="18" charset="0"/>
-                      </a:rPr>
+                      <a:rPr lang="en-US" altLang="ko-KR" b="0" i="0" smtClean="0"/>
                       <m:t> </m:t>
                     </m:r>
                     <m:r>
-                      <a:rPr lang="ko-KR" altLang="en-US" i="1">
-                        <a:latin typeface="Cambria Math" panose="02040503050406030204" pitchFamily="18" charset="0"/>
-                      </a:rPr>
+                      <a:rPr lang="ko-KR" altLang="en-US" i="1"/>
                       <m:t>𝛼</m:t>
                     </m:r>
                     <m:r>
-                      <a:rPr lang="en-US" altLang="ko-KR" b="0" i="1" smtClean="0">
-                        <a:latin typeface="Cambria Math" panose="02040503050406030204" pitchFamily="18" charset="0"/>
-                      </a:rPr>
+                      <a:rPr lang="en-US" altLang="ko-KR" b="0" i="1" smtClean="0"/>
                       <m:t> </m:t>
                     </m:r>
                   </m:oMath>
@@ -11234,7 +11224,6 @@
                       <a:srgbClr val="000000"/>
                     </a:solidFill>
                     <a:effectLst/>
-                    <a:latin typeface="noto"/>
                   </a:rPr>
                   <a:t>value is small, a penalty when the absolute value of the learning parameter increases is hardly given, making the model complicated.</a:t>
                 </a:r>
@@ -11246,28 +11235,21 @@
                       <a:srgbClr val="000000"/>
                     </a:solidFill>
                     <a:effectLst/>
-                    <a:latin typeface="noto"/>
                   </a:rPr>
                   <a:t>If</a:t>
                 </a:r>
                 <a14:m>
                   <m:oMath xmlns:m="http://schemas.openxmlformats.org/officeDocument/2006/math">
                     <m:r>
-                      <a:rPr lang="en-US" altLang="ko-KR" b="0" i="0" smtClean="0">
-                        <a:latin typeface="Cambria Math" panose="02040503050406030204" pitchFamily="18" charset="0"/>
-                      </a:rPr>
+                      <a:rPr lang="en-US" altLang="ko-KR" b="0" i="0" smtClean="0"/>
                       <m:t> </m:t>
                     </m:r>
                     <m:r>
-                      <a:rPr lang="ko-KR" altLang="en-US" i="1">
-                        <a:latin typeface="Cambria Math" panose="02040503050406030204" pitchFamily="18" charset="0"/>
-                      </a:rPr>
+                      <a:rPr lang="ko-KR" altLang="en-US" i="1"/>
                       <m:t>𝛼</m:t>
                     </m:r>
                     <m:r>
-                      <a:rPr lang="en-US" altLang="ko-KR" b="0" i="1" smtClean="0">
-                        <a:latin typeface="Cambria Math" panose="02040503050406030204" pitchFamily="18" charset="0"/>
-                      </a:rPr>
+                      <a:rPr lang="en-US" altLang="ko-KR" b="0" i="1" smtClean="0"/>
                       <m:t> </m:t>
                     </m:r>
                   </m:oMath>
@@ -11278,16 +11260,15 @@
                       <a:srgbClr val="000000"/>
                     </a:solidFill>
                     <a:effectLst/>
-                    <a:latin typeface="noto"/>
                   </a:rPr>
-                  <a:t>= 0, it is the same state as linear regression without normalization.</a:t>
+                  <a:t>= 0, it is the same state as linear regression without normalization.%</a:t>
                 </a:r>
                 <a:endParaRPr lang="ko-KR" altLang="en-US" dirty="0"/>
               </a:p>
             </p:txBody>
           </p:sp>
         </mc:Choice>
-        <mc:Fallback xmlns="">
+        <mc:Fallback>
           <p:sp>
             <p:nvSpPr>
               <p:cNvPr id="3" name="내용 개체 틀 2">
@@ -11308,7 +11289,7 @@
               <a:blipFill>
                 <a:blip r:embed="rId3"/>
                 <a:stretch>
-                  <a:fillRect l="-1043" t="-2241" r="-2087"/>
+                  <a:fillRect l="-1043" t="-2381"/>
                 </a:stretch>
               </a:blipFill>
             </p:spPr>
@@ -11606,8 +11587,8 @@
           </a:p>
         </p:txBody>
       </p:sp>
-      <mc:AlternateContent xmlns:mc="http://schemas.openxmlformats.org/markup-compatibility/2006" xmlns:a14="http://schemas.microsoft.com/office/drawing/2010/main">
-        <mc:Choice Requires="a14">
+      <mc:AlternateContent xmlns:mc="http://schemas.openxmlformats.org/markup-compatibility/2006">
+        <mc:Choice xmlns:a14="http://schemas.microsoft.com/office/drawing/2010/main" Requires="a14">
           <p:sp>
             <p:nvSpPr>
               <p:cNvPr id="3" name="내용 개체 틀 2">
@@ -11901,13 +11882,41 @@
               <a:p>
                 <a:r>
                   <a:rPr lang="en-US" altLang="ko-KR" dirty="0"/>
-                  <a:t>In LASSO regression, there is a difference that the b learning parameter is 0 at optimum solution</a:t>
+                  <a:t>In LASSO regression, there is a difference that the </a:t>
+                </a:r>
+                <a14:m>
+                  <m:oMath xmlns:m="http://schemas.openxmlformats.org/officeDocument/2006/math">
+                    <m:r>
+                      <a:rPr lang="en-US" altLang="ko-KR" i="1" dirty="0" smtClean="0">
+                        <a:latin typeface="Cambria Math" panose="02040503050406030204" pitchFamily="18" charset="0"/>
+                      </a:rPr>
+                      <m:t>𝑏</m:t>
+                    </m:r>
+                  </m:oMath>
+                </a14:m>
+                <a:r>
+                  <a:rPr lang="en-US" altLang="ko-KR" dirty="0"/>
+                  <a:t> learning parameter is 0 at optimum solution</a:t>
                 </a:r>
               </a:p>
               <a:p>
                 <a:r>
                   <a:rPr lang="en-US" altLang="ko-KR" dirty="0"/>
-                  <a:t>Therefore, in LASSO regression, the b parameter tends to become 0</a:t>
+                  <a:t>Therefore, in LASSO regression, the </a:t>
+                </a:r>
+                <a14:m>
+                  <m:oMath xmlns:m="http://schemas.openxmlformats.org/officeDocument/2006/math">
+                    <m:r>
+                      <a:rPr lang="en-US" altLang="ko-KR" i="1" dirty="0" smtClean="0">
+                        <a:latin typeface="Cambria Math" panose="02040503050406030204" pitchFamily="18" charset="0"/>
+                      </a:rPr>
+                      <m:t>𝑏</m:t>
+                    </m:r>
+                  </m:oMath>
+                </a14:m>
+                <a:r>
+                  <a:rPr lang="en-US" altLang="ko-KR" dirty="0"/>
+                  <a:t> parameter tends to become 0</a:t>
                 </a:r>
               </a:p>
               <a:p>
@@ -11916,7 +11925,7 @@
             </p:txBody>
           </p:sp>
         </mc:Choice>
-        <mc:Fallback xmlns="">
+        <mc:Fallback>
           <p:sp>
             <p:nvSpPr>
               <p:cNvPr id="3" name="내용 개체 틀 2">
@@ -11937,7 +11946,7 @@
               <a:blipFill>
                 <a:blip r:embed="rId2"/>
                 <a:stretch>
-                  <a:fillRect l="-1043" r="-232"/>
+                  <a:fillRect l="-1043" r="-116"/>
                 </a:stretch>
               </a:blipFill>
             </p:spPr>
@@ -14972,7 +14981,7 @@
         <p:spPr/>
         <p:txBody>
           <a:bodyPr>
-            <a:normAutofit fontScale="92500"/>
+            <a:normAutofit fontScale="92500" lnSpcReduction="10000"/>
           </a:bodyPr>
           <a:lstStyle/>
           <a:p>
@@ -14986,7 +14995,6 @@
                   <a:srgbClr val="000000"/>
                 </a:solidFill>
                 <a:effectLst/>
-                <a:latin typeface="Helvetica Neue"/>
               </a:rPr>
               <a:t>The left graph using soft margin is not affected by the fact that the learning results are far away.</a:t>
             </a:r>
@@ -15002,7 +15010,6 @@
                   <a:srgbClr val="000000"/>
                 </a:solidFill>
                 <a:effectLst/>
-                <a:latin typeface="Helvetica Neue"/>
               </a:rPr>
               <a:t>The graph on the right using hard margin is greatly influenced by the point far away.</a:t>
             </a:r>
@@ -15018,7 +15025,6 @@
                   <a:srgbClr val="000000"/>
                 </a:solidFill>
                 <a:effectLst/>
-                <a:latin typeface="Helvetica Neue"/>
               </a:rPr>
               <a:t>How much data in the margin is allowed in soft margin follows the hyperparameters set by the person himself.</a:t>
             </a:r>
@@ -16680,7 +16686,24 @@
                 </a:solidFill>
                 <a:effectLst/>
               </a:rPr>
-              <a:t>The Naive Bayes classification going to be used to classify virtual news article titles into ‘</a:t>
+              <a:t>The </a:t>
+            </a:r>
+            <a:r>
+              <a:rPr lang="en-US" altLang="ko-KR" dirty="0">
+                <a:solidFill>
+                  <a:srgbClr val="000000"/>
+                </a:solidFill>
+              </a:rPr>
+              <a:t>Naïve</a:t>
+            </a:r>
+            <a:r>
+              <a:rPr lang="en-US" altLang="ko-KR" b="0" i="0" dirty="0">
+                <a:solidFill>
+                  <a:srgbClr val="000000"/>
+                </a:solidFill>
+                <a:effectLst/>
+              </a:rPr>
+              <a:t> Bayes classification going to be used to classify virtual news article titles into ‘</a:t>
             </a:r>
             <a:r>
               <a:rPr lang="ko-KR" altLang="en-US" b="0" i="0" dirty="0">
@@ -21323,263 +21346,241 @@
           </a:p>
         </p:txBody>
       </p:sp>
-      <p:sp>
-        <p:nvSpPr>
-          <p:cNvPr id="3" name="내용 개체 틀 2">
-            <a:extLst>
-              <a:ext uri="{FF2B5EF4-FFF2-40B4-BE49-F238E27FC236}">
-                <a16:creationId xmlns:a16="http://schemas.microsoft.com/office/drawing/2014/main" id="{72808C1D-23B4-4CD4-8789-373E2FB34C31}"/>
-              </a:ext>
-            </a:extLst>
-          </p:cNvPr>
-          <p:cNvSpPr>
-            <a:spLocks noGrp="1"/>
-          </p:cNvSpPr>
-          <p:nvPr>
-            <p:ph idx="1"/>
-          </p:nvPr>
-        </p:nvSpPr>
-        <p:spPr/>
-        <p:txBody>
-          <a:bodyPr>
-            <a:normAutofit lnSpcReduction="10000"/>
-          </a:bodyPr>
-          <a:lstStyle/>
-          <a:p>
-            <a:pPr algn="l">
-              <a:buFont typeface="Arial" panose="020B0604020202020204" pitchFamily="34" charset="0"/>
-              <a:buChar char="•"/>
-            </a:pPr>
-            <a:r>
-              <a:rPr lang="en-US" altLang="ko-KR" b="0" i="0" dirty="0">
-                <a:solidFill>
-                  <a:srgbClr val="000000"/>
-                </a:solidFill>
-                <a:effectLst/>
-              </a:rPr>
-              <a:t>When dividing learning data, impurity, which represents the imbalance of data, is digitized and used.</a:t>
-            </a:r>
-          </a:p>
-          <a:p>
-            <a:pPr algn="l">
-              <a:buFont typeface="Arial" panose="020B0604020202020204" pitchFamily="34" charset="0"/>
-              <a:buChar char="•"/>
-            </a:pPr>
-            <a:r>
-              <a:rPr lang="en-US" altLang="ko-KR" b="0" i="0" dirty="0">
-                <a:solidFill>
-                  <a:srgbClr val="000000"/>
-                </a:solidFill>
-                <a:effectLst/>
-              </a:rPr>
-              <a:t>The decision tree divides the data so that the impurity is reduced.</a:t>
-            </a:r>
-          </a:p>
-          <a:p>
-            <a:pPr algn="l">
-              <a:buFont typeface="Arial" panose="020B0604020202020204" pitchFamily="34" charset="0"/>
-              <a:buChar char="•"/>
-            </a:pPr>
-            <a:r>
-              <a:rPr lang="en-US" altLang="ko-KR" b="0" i="0" dirty="0">
-                <a:solidFill>
-                  <a:srgbClr val="000000"/>
-                </a:solidFill>
-                <a:effectLst/>
-              </a:rPr>
-              <a:t>If there are many of the same labels in the divided group, the impurity decreases.</a:t>
-            </a:r>
-          </a:p>
-          <a:p>
-            <a:pPr algn="l">
-              <a:buFont typeface="Arial" panose="020B0604020202020204" pitchFamily="34" charset="0"/>
-              <a:buChar char="•"/>
-            </a:pPr>
-            <a:r>
-              <a:rPr lang="en-US" altLang="ko-KR" b="0" i="0" dirty="0">
-                <a:solidFill>
-                  <a:srgbClr val="000000"/>
-                </a:solidFill>
-                <a:effectLst/>
-              </a:rPr>
-              <a:t>If there are many other labels in the divided group, the impurity increases.</a:t>
-            </a:r>
-          </a:p>
-          <a:p>
-            <a:pPr algn="l">
-              <a:buFont typeface="Arial" panose="020B0604020202020204" pitchFamily="34" charset="0"/>
-              <a:buChar char="•"/>
-            </a:pPr>
-            <a:r>
-              <a:rPr lang="en-US" altLang="ko-KR" b="0" i="0" dirty="0">
-                <a:solidFill>
-                  <a:srgbClr val="000000"/>
-                </a:solidFill>
-                <a:effectLst/>
-              </a:rPr>
-              <a:t>There are several indicators of impurities, where Gini index will be used.</a:t>
-            </a:r>
-          </a:p>
-        </p:txBody>
-      </p:sp>
-      <mc:AlternateContent xmlns:mc="http://schemas.openxmlformats.org/markup-compatibility/2006" xmlns:a14="http://schemas.microsoft.com/office/drawing/2010/main">
-        <mc:Choice Requires="a14">
+      <mc:AlternateContent xmlns:mc="http://schemas.openxmlformats.org/markup-compatibility/2006">
+        <mc:Choice xmlns:a14="http://schemas.microsoft.com/office/drawing/2010/main" Requires="a14">
           <p:sp>
             <p:nvSpPr>
-              <p:cNvPr id="4" name="TextBox 3">
+              <p:cNvPr id="3" name="내용 개체 틀 2">
                 <a:extLst>
                   <a:ext uri="{FF2B5EF4-FFF2-40B4-BE49-F238E27FC236}">
-                    <a16:creationId xmlns:a16="http://schemas.microsoft.com/office/drawing/2014/main" id="{3454252F-A1B2-49D5-8C59-6E5B9A0E593C}"/>
+                    <a16:creationId xmlns:a16="http://schemas.microsoft.com/office/drawing/2014/main" id="{72808C1D-23B4-4CD4-8789-373E2FB34C31}"/>
                   </a:ext>
                 </a:extLst>
               </p:cNvPr>
-              <p:cNvSpPr txBox="1"/>
-              <p:nvPr/>
+              <p:cNvSpPr>
+                <a:spLocks noGrp="1"/>
+              </p:cNvSpPr>
+              <p:nvPr>
+                <p:ph idx="1"/>
+              </p:nvPr>
             </p:nvSpPr>
-            <p:spPr>
-              <a:xfrm>
-                <a:off x="3288485" y="5422269"/>
-                <a:ext cx="922787" cy="754694"/>
-              </a:xfrm>
-              <a:prstGeom prst="rect">
-                <a:avLst/>
-              </a:prstGeom>
-              <a:noFill/>
-            </p:spPr>
+            <p:spPr/>
             <p:txBody>
-              <a:bodyPr wrap="square" lIns="0" tIns="0" rIns="0" bIns="0" rtlCol="0">
-                <a:spAutoFit/>
+              <a:bodyPr>
+                <a:normAutofit fontScale="92500"/>
               </a:bodyPr>
               <a:lstStyle/>
               <a:p>
-                <a:pPr/>
+                <a:pPr algn="l">
+                  <a:buFont typeface="Arial" panose="020B0604020202020204" pitchFamily="34" charset="0"/>
+                  <a:buChar char="•"/>
+                </a:pPr>
+                <a:r>
+                  <a:rPr lang="en-US" altLang="ko-KR" b="0" i="0" dirty="0">
+                    <a:solidFill>
+                      <a:srgbClr val="000000"/>
+                    </a:solidFill>
+                    <a:effectLst/>
+                  </a:rPr>
+                  <a:t>When dividing learning data, impurity, which represents the imbalance of data, is digitized and used.</a:t>
+                </a:r>
+              </a:p>
+              <a:p>
+                <a:pPr algn="l">
+                  <a:buFont typeface="Arial" panose="020B0604020202020204" pitchFamily="34" charset="0"/>
+                  <a:buChar char="•"/>
+                </a:pPr>
+                <a:r>
+                  <a:rPr lang="en-US" altLang="ko-KR" b="0" i="0" dirty="0">
+                    <a:solidFill>
+                      <a:srgbClr val="000000"/>
+                    </a:solidFill>
+                    <a:effectLst/>
+                  </a:rPr>
+                  <a:t>The decision tree divides the data so that the impurity is reduced.</a:t>
+                </a:r>
+              </a:p>
+              <a:p>
+                <a:pPr algn="l">
+                  <a:buFont typeface="Arial" panose="020B0604020202020204" pitchFamily="34" charset="0"/>
+                  <a:buChar char="•"/>
+                </a:pPr>
+                <a:r>
+                  <a:rPr lang="en-US" altLang="ko-KR" b="0" i="0" dirty="0">
+                    <a:solidFill>
+                      <a:srgbClr val="000000"/>
+                    </a:solidFill>
+                    <a:effectLst/>
+                  </a:rPr>
+                  <a:t>If there are many of the same labels in the divided group, the impurity decreases.</a:t>
+                </a:r>
+              </a:p>
+              <a:p>
+                <a:pPr algn="l">
+                  <a:buFont typeface="Arial" panose="020B0604020202020204" pitchFamily="34" charset="0"/>
+                  <a:buChar char="•"/>
+                </a:pPr>
+                <a:r>
+                  <a:rPr lang="en-US" altLang="ko-KR" b="0" i="0" dirty="0">
+                    <a:solidFill>
+                      <a:srgbClr val="000000"/>
+                    </a:solidFill>
+                    <a:effectLst/>
+                  </a:rPr>
+                  <a:t>If there are many other labels in the divided group, the impurity increases.</a:t>
+                </a:r>
+              </a:p>
+              <a:p>
+                <a:pPr algn="l">
+                  <a:buFont typeface="Arial" panose="020B0604020202020204" pitchFamily="34" charset="0"/>
+                  <a:buChar char="•"/>
+                </a:pPr>
+                <a:r>
+                  <a:rPr lang="en-US" altLang="ko-KR" b="0" i="0" dirty="0">
+                    <a:solidFill>
+                      <a:srgbClr val="000000"/>
+                    </a:solidFill>
+                    <a:effectLst/>
+                  </a:rPr>
+                  <a:t>There are several indicators of impurities, where Gini index will be used.</a:t>
+                </a:r>
+              </a:p>
+              <a:p>
+                <a:pPr algn="l">
+                  <a:buFont typeface="Arial" panose="020B0604020202020204" pitchFamily="34" charset="0"/>
+                  <a:buChar char="•"/>
+                </a:pPr>
+                <a:r>
+                  <a:rPr lang="en-US" altLang="ko-KR" b="0" i="0" dirty="0">
+                    <a:solidFill>
+                      <a:srgbClr val="000000"/>
+                    </a:solidFill>
+                    <a:effectLst/>
+                  </a:rPr>
+                  <a:t>Gini index: </a:t>
+                </a:r>
                 <a14:m>
-                  <m:oMathPara xmlns:m="http://schemas.openxmlformats.org/officeDocument/2006/math">
-                    <m:oMathParaPr>
-                      <m:jc m:val="centerGroup"/>
-                    </m:oMathParaPr>
-                    <m:oMath xmlns:m="http://schemas.openxmlformats.org/officeDocument/2006/math">
-                      <m:r>
-                        <a:rPr lang="en-US" altLang="ko-KR" i="1">
-                          <a:latin typeface="Cambria Math" panose="02040503050406030204" pitchFamily="18" charset="0"/>
-                        </a:rPr>
-                        <m:t>1−</m:t>
-                      </m:r>
-                      <m:nary>
-                        <m:naryPr>
-                          <m:chr m:val="∑"/>
-                          <m:ctrlPr>
-                            <a:rPr lang="en-US" altLang="ko-KR" i="1" smtClean="0">
-                              <a:latin typeface="Cambria Math" panose="02040503050406030204" pitchFamily="18" charset="0"/>
-                            </a:rPr>
-                          </m:ctrlPr>
-                        </m:naryPr>
-                        <m:sub>
-                          <m:r>
-                            <m:rPr>
-                              <m:sty m:val="p"/>
-                              <m:brk m:alnAt="23"/>
-                            </m:rPr>
-                            <a:rPr lang="en-US" altLang="ko-KR" i="1">
-                              <a:latin typeface="Cambria Math" panose="02040503050406030204" pitchFamily="18" charset="0"/>
-                            </a:rPr>
-                            <m:t>i</m:t>
-                          </m:r>
-                          <m:r>
-                            <a:rPr lang="en-US" altLang="ko-KR" i="1">
-                              <a:latin typeface="Cambria Math" panose="02040503050406030204" pitchFamily="18" charset="0"/>
-                            </a:rPr>
-                            <m:t>=1</m:t>
-                          </m:r>
-                        </m:sub>
-                        <m:sup>
-                          <m:r>
-                            <m:rPr>
-                              <m:sty m:val="p"/>
-                            </m:rPr>
-                            <a:rPr lang="en-US" altLang="ko-KR" i="1">
-                              <a:latin typeface="Cambria Math" panose="02040503050406030204" pitchFamily="18" charset="0"/>
-                            </a:rPr>
-                            <m:t>c</m:t>
-                          </m:r>
-                        </m:sup>
-                        <m:e>
-                          <m:sSubSup>
-                            <m:sSubSupPr>
-                              <m:ctrlPr>
-                                <a:rPr lang="en-US" altLang="ko-KR" i="1" smtClean="0">
-                                  <a:latin typeface="Cambria Math" panose="02040503050406030204" pitchFamily="18" charset="0"/>
-                                </a:rPr>
-                              </m:ctrlPr>
-                            </m:sSubSupPr>
-                            <m:e>
-                              <m:r>
-                                <m:rPr>
-                                  <m:sty m:val="p"/>
-                                </m:rPr>
-                                <a:rPr lang="en-US" altLang="ko-KR" i="1">
-                                  <a:latin typeface="Cambria Math" panose="02040503050406030204" pitchFamily="18" charset="0"/>
-                                </a:rPr>
-                                <m:t>p</m:t>
-                              </m:r>
-                            </m:e>
-                            <m:sub>
-                              <m:r>
-                                <m:rPr>
-                                  <m:sty m:val="p"/>
-                                </m:rPr>
-                                <a:rPr lang="en-US" altLang="ko-KR" i="1">
-                                  <a:latin typeface="Cambria Math" panose="02040503050406030204" pitchFamily="18" charset="0"/>
-                                </a:rPr>
-                                <m:t>i</m:t>
-                              </m:r>
-                            </m:sub>
-                            <m:sup>
-                              <m:r>
-                                <a:rPr lang="en-US" altLang="ko-KR" i="1">
-                                  <a:latin typeface="Cambria Math" panose="02040503050406030204" pitchFamily="18" charset="0"/>
-                                </a:rPr>
-                                <m:t>2</m:t>
-                              </m:r>
-                            </m:sup>
-                          </m:sSubSup>
-                        </m:e>
-                      </m:nary>
-                    </m:oMath>
-                  </m:oMathPara>
+                  <m:oMath xmlns:m="http://schemas.openxmlformats.org/officeDocument/2006/math">
+                    <m:r>
+                      <a:rPr lang="en-US" altLang="ko-KR" i="1" smtClean="0">
+                        <a:latin typeface="Cambria Math" panose="02040503050406030204" pitchFamily="18" charset="0"/>
+                      </a:rPr>
+                      <m:t>−</m:t>
+                    </m:r>
+                    <m:nary>
+                      <m:naryPr>
+                        <m:chr m:val="∑"/>
+                        <m:ctrlPr>
+                          <a:rPr lang="en-US" altLang="ko-KR" i="1" smtClean="0">
+                            <a:latin typeface="Cambria Math" panose="02040503050406030204" pitchFamily="18" charset="0"/>
+                          </a:rPr>
+                        </m:ctrlPr>
+                      </m:naryPr>
+                      <m:sub>
+                        <m:r>
+                          <m:rPr>
+                            <m:sty m:val="p"/>
+                            <m:brk m:alnAt="23"/>
+                          </m:rPr>
+                          <a:rPr lang="en-US" altLang="ko-KR" i="1">
+                            <a:latin typeface="Cambria Math" panose="02040503050406030204" pitchFamily="18" charset="0"/>
+                          </a:rPr>
+                          <m:t>i</m:t>
+                        </m:r>
+                        <m:r>
+                          <a:rPr lang="en-US" altLang="ko-KR" i="1">
+                            <a:latin typeface="Cambria Math" panose="02040503050406030204" pitchFamily="18" charset="0"/>
+                          </a:rPr>
+                          <m:t>=1</m:t>
+                        </m:r>
+                      </m:sub>
+                      <m:sup>
+                        <m:r>
+                          <m:rPr>
+                            <m:sty m:val="p"/>
+                          </m:rPr>
+                          <a:rPr lang="en-US" altLang="ko-KR" i="1">
+                            <a:latin typeface="Cambria Math" panose="02040503050406030204" pitchFamily="18" charset="0"/>
+                          </a:rPr>
+                          <m:t>c</m:t>
+                        </m:r>
+                      </m:sup>
+                      <m:e>
+                        <m:sSubSup>
+                          <m:sSubSupPr>
+                            <m:ctrlPr>
+                              <a:rPr lang="en-US" altLang="ko-KR" i="1" smtClean="0">
+                                <a:latin typeface="Cambria Math" panose="02040503050406030204" pitchFamily="18" charset="0"/>
+                              </a:rPr>
+                            </m:ctrlPr>
+                          </m:sSubSupPr>
+                          <m:e>
+                            <m:r>
+                              <m:rPr>
+                                <m:sty m:val="p"/>
+                              </m:rPr>
+                              <a:rPr lang="en-US" altLang="ko-KR" i="1">
+                                <a:latin typeface="Cambria Math" panose="02040503050406030204" pitchFamily="18" charset="0"/>
+                              </a:rPr>
+                              <m:t>p</m:t>
+                            </m:r>
+                          </m:e>
+                          <m:sub>
+                            <m:r>
+                              <m:rPr>
+                                <m:sty m:val="p"/>
+                              </m:rPr>
+                              <a:rPr lang="en-US" altLang="ko-KR" i="1">
+                                <a:latin typeface="Cambria Math" panose="02040503050406030204" pitchFamily="18" charset="0"/>
+                              </a:rPr>
+                              <m:t>i</m:t>
+                            </m:r>
+                          </m:sub>
+                          <m:sup>
+                            <m:r>
+                              <a:rPr lang="en-US" altLang="ko-KR" i="1">
+                                <a:latin typeface="Cambria Math" panose="02040503050406030204" pitchFamily="18" charset="0"/>
+                              </a:rPr>
+                              <m:t>2</m:t>
+                            </m:r>
+                          </m:sup>
+                        </m:sSubSup>
+                      </m:e>
+                    </m:nary>
+                  </m:oMath>
                 </a14:m>
-                <a:endParaRPr lang="ko-KR" altLang="en-US" dirty="0"/>
+                <a:endParaRPr lang="en-US" altLang="ko-KR" b="0" i="0" dirty="0">
+                  <a:solidFill>
+                    <a:srgbClr val="000000"/>
+                  </a:solidFill>
+                  <a:effectLst/>
+                </a:endParaRPr>
               </a:p>
             </p:txBody>
           </p:sp>
         </mc:Choice>
-        <mc:Fallback xmlns="">
+        <mc:Fallback>
           <p:sp>
             <p:nvSpPr>
-              <p:cNvPr id="4" name="TextBox 3">
+              <p:cNvPr id="3" name="내용 개체 틀 2">
                 <a:extLst>
                   <a:ext uri="{FF2B5EF4-FFF2-40B4-BE49-F238E27FC236}">
-                    <a16:creationId xmlns:a16="http://schemas.microsoft.com/office/drawing/2014/main" id="{3454252F-A1B2-49D5-8C59-6E5B9A0E593C}"/>
+                    <a16:creationId xmlns:a16="http://schemas.microsoft.com/office/drawing/2014/main" id="{72808C1D-23B4-4CD4-8789-373E2FB34C31}"/>
                   </a:ext>
                 </a:extLst>
               </p:cNvPr>
-              <p:cNvSpPr txBox="1">
-                <a:spLocks noRot="1" noChangeAspect="1" noMove="1" noResize="1" noEditPoints="1" noAdjustHandles="1" noChangeArrowheads="1" noChangeShapeType="1" noTextEdit="1"/>
+              <p:cNvSpPr>
+                <a:spLocks noGrp="1" noRot="1" noChangeAspect="1" noMove="1" noResize="1" noEditPoints="1" noAdjustHandles="1" noChangeArrowheads="1" noChangeShapeType="1" noTextEdit="1"/>
               </p:cNvSpPr>
-              <p:nvPr/>
+              <p:nvPr>
+                <p:ph idx="1"/>
+              </p:nvPr>
             </p:nvSpPr>
             <p:spPr>
-              <a:xfrm>
-                <a:off x="3288485" y="5422269"/>
-                <a:ext cx="922787" cy="754694"/>
-              </a:xfrm>
-              <a:prstGeom prst="rect">
-                <a:avLst/>
-              </a:prstGeom>
               <a:blipFill>
                 <a:blip r:embed="rId2"/>
                 <a:stretch>
-                  <a:fillRect/>
+                  <a:fillRect l="-928" t="-2101" r="-290" b="-2521"/>
                 </a:stretch>
               </a:blipFill>
             </p:spPr>
@@ -23428,7 +23429,7 @@
           <a:p>
             <a:r>
               <a:rPr lang="en-US" altLang="ko-KR" dirty="0"/>
-              <a:t>Fundamental Concept</a:t>
+              <a:t>Algorithm</a:t>
             </a:r>
             <a:br>
               <a:rPr lang="en-US" altLang="ko-KR" dirty="0"/>
@@ -23677,7 +23678,7 @@
           <a:p>
             <a:r>
               <a:rPr lang="en-US" altLang="ko-KR" dirty="0"/>
-              <a:t>Fundamental Concept</a:t>
+              <a:t>Algorithm</a:t>
             </a:r>
             <a:br>
               <a:rPr lang="en-US" altLang="ko-KR" dirty="0"/>
@@ -24473,7 +24474,7 @@
           <a:p>
             <a:r>
               <a:rPr lang="en-US" altLang="ko-KR" dirty="0"/>
-              <a:t>Fundamental Concept</a:t>
+              <a:t>Algorithm</a:t>
             </a:r>
             <a:br>
               <a:rPr lang="en-US" altLang="ko-KR" dirty="0"/>
@@ -24809,22 +24810,22 @@
         </p:spPr>
         <p:txBody>
           <a:bodyPr>
-            <a:normAutofit fontScale="90000"/>
+            <a:normAutofit/>
           </a:bodyPr>
           <a:lstStyle/>
           <a:p>
             <a:r>
-              <a:rPr lang="en-US" altLang="ko-KR" sz="4900" dirty="0"/>
-              <a:t>Fundamental Concept</a:t>
+              <a:rPr lang="en-US" altLang="ko-KR" sz="4400" dirty="0"/>
+              <a:t>Algorithm</a:t>
             </a:r>
             <a:br>
               <a:rPr lang="en-US" altLang="ko-KR" sz="4400" dirty="0"/>
             </a:br>
             <a:r>
-              <a:rPr lang="en-US" altLang="ko-KR" sz="3100" dirty="0"/>
+              <a:rPr lang="en-US" altLang="ko-KR" sz="2400" dirty="0"/>
               <a:t>fault perceptron</a:t>
             </a:r>
-            <a:endParaRPr lang="ko-KR" altLang="en-US" sz="3100" dirty="0"/>
+            <a:endParaRPr lang="ko-KR" altLang="en-US" sz="2400" dirty="0"/>
           </a:p>
         </p:txBody>
       </p:sp>
@@ -25100,7 +25101,7 @@
           <a:p>
             <a:r>
               <a:rPr lang="en-US" altLang="ko-KR" dirty="0"/>
-              <a:t>Fundamental Concept</a:t>
+              <a:t>Algorithm</a:t>
             </a:r>
             <a:br>
               <a:rPr lang="en-US" altLang="ko-KR" dirty="0"/>
@@ -25214,7 +25215,19 @@
             </a:endParaRPr>
           </a:p>
           <a:p>
-            <a:pPr algn="l">
+            <a:pPr marL="514350" indent="-514350" algn="l">
+              <a:buFont typeface="+mj-lt"/>
+              <a:buAutoNum type="arabicPeriod"/>
+            </a:pPr>
+            <a:endParaRPr lang="en-US" altLang="ko-KR" b="0" i="0" dirty="0">
+              <a:solidFill>
+                <a:srgbClr val="000000"/>
+              </a:solidFill>
+              <a:effectLst/>
+            </a:endParaRPr>
+          </a:p>
+          <a:p>
+            <a:pPr marL="514350" indent="-514350">
               <a:buFont typeface="+mj-lt"/>
               <a:buAutoNum type="arabicPeriod"/>
             </a:pPr>
@@ -25229,7 +25242,7 @@
             </a:r>
           </a:p>
           <a:p>
-            <a:pPr algn="l">
+            <a:pPr marL="514350" indent="-514350">
               <a:buFont typeface="+mj-lt"/>
               <a:buAutoNum type="arabicPeriod"/>
             </a:pPr>
@@ -25240,7 +25253,7 @@
                 </a:solidFill>
                 <a:effectLst/>
               </a:rPr>
-              <a:t>Set the decision to make the final decision by combining the      output results of the two layers.</a:t>
+              <a:t>Set the decision to make the final decision by combining the output results of the two layers.</a:t>
             </a:r>
           </a:p>
           <a:p>

--- a/2_Supervised_Learning.pptx
+++ b/2_Supervised_Learning.pptx
@@ -336,7 +336,7 @@
           <a:p>
             <a:fld id="{FA9990B5-254E-40FE-9F68-930B6ABEB22F}" type="datetimeFigureOut">
               <a:rPr lang="ko-KR" altLang="en-US" smtClean="0"/>
-              <a:t>2022-04-11</a:t>
+              <a:t>2022-04-12</a:t>
             </a:fld>
             <a:endParaRPr lang="ko-KR" altLang="en-US"/>
           </a:p>
@@ -534,7 +534,7 @@
           <a:p>
             <a:fld id="{FA9990B5-254E-40FE-9F68-930B6ABEB22F}" type="datetimeFigureOut">
               <a:rPr lang="ko-KR" altLang="en-US" smtClean="0"/>
-              <a:t>2022-04-11</a:t>
+              <a:t>2022-04-12</a:t>
             </a:fld>
             <a:endParaRPr lang="ko-KR" altLang="en-US"/>
           </a:p>
@@ -742,7 +742,7 @@
           <a:p>
             <a:fld id="{FA9990B5-254E-40FE-9F68-930B6ABEB22F}" type="datetimeFigureOut">
               <a:rPr lang="ko-KR" altLang="en-US" smtClean="0"/>
-              <a:t>2022-04-11</a:t>
+              <a:t>2022-04-12</a:t>
             </a:fld>
             <a:endParaRPr lang="ko-KR" altLang="en-US"/>
           </a:p>
@@ -940,7 +940,7 @@
           <a:p>
             <a:fld id="{FA9990B5-254E-40FE-9F68-930B6ABEB22F}" type="datetimeFigureOut">
               <a:rPr lang="ko-KR" altLang="en-US" smtClean="0"/>
-              <a:t>2022-04-11</a:t>
+              <a:t>2022-04-12</a:t>
             </a:fld>
             <a:endParaRPr lang="ko-KR" altLang="en-US"/>
           </a:p>
@@ -1215,7 +1215,7 @@
           <a:p>
             <a:fld id="{FA9990B5-254E-40FE-9F68-930B6ABEB22F}" type="datetimeFigureOut">
               <a:rPr lang="ko-KR" altLang="en-US" smtClean="0"/>
-              <a:t>2022-04-11</a:t>
+              <a:t>2022-04-12</a:t>
             </a:fld>
             <a:endParaRPr lang="ko-KR" altLang="en-US"/>
           </a:p>
@@ -1480,7 +1480,7 @@
           <a:p>
             <a:fld id="{FA9990B5-254E-40FE-9F68-930B6ABEB22F}" type="datetimeFigureOut">
               <a:rPr lang="ko-KR" altLang="en-US" smtClean="0"/>
-              <a:t>2022-04-11</a:t>
+              <a:t>2022-04-12</a:t>
             </a:fld>
             <a:endParaRPr lang="ko-KR" altLang="en-US"/>
           </a:p>
@@ -1892,7 +1892,7 @@
           <a:p>
             <a:fld id="{FA9990B5-254E-40FE-9F68-930B6ABEB22F}" type="datetimeFigureOut">
               <a:rPr lang="ko-KR" altLang="en-US" smtClean="0"/>
-              <a:t>2022-04-11</a:t>
+              <a:t>2022-04-12</a:t>
             </a:fld>
             <a:endParaRPr lang="ko-KR" altLang="en-US"/>
           </a:p>
@@ -2033,7 +2033,7 @@
           <a:p>
             <a:fld id="{FA9990B5-254E-40FE-9F68-930B6ABEB22F}" type="datetimeFigureOut">
               <a:rPr lang="ko-KR" altLang="en-US" smtClean="0"/>
-              <a:t>2022-04-11</a:t>
+              <a:t>2022-04-12</a:t>
             </a:fld>
             <a:endParaRPr lang="ko-KR" altLang="en-US"/>
           </a:p>
@@ -2146,7 +2146,7 @@
           <a:p>
             <a:fld id="{FA9990B5-254E-40FE-9F68-930B6ABEB22F}" type="datetimeFigureOut">
               <a:rPr lang="ko-KR" altLang="en-US" smtClean="0"/>
-              <a:t>2022-04-11</a:t>
+              <a:t>2022-04-12</a:t>
             </a:fld>
             <a:endParaRPr lang="ko-KR" altLang="en-US"/>
           </a:p>
@@ -2457,7 +2457,7 @@
           <a:p>
             <a:fld id="{FA9990B5-254E-40FE-9F68-930B6ABEB22F}" type="datetimeFigureOut">
               <a:rPr lang="ko-KR" altLang="en-US" smtClean="0"/>
-              <a:t>2022-04-11</a:t>
+              <a:t>2022-04-12</a:t>
             </a:fld>
             <a:endParaRPr lang="ko-KR" altLang="en-US"/>
           </a:p>
@@ -2745,7 +2745,7 @@
           <a:p>
             <a:fld id="{FA9990B5-254E-40FE-9F68-930B6ABEB22F}" type="datetimeFigureOut">
               <a:rPr lang="ko-KR" altLang="en-US" smtClean="0"/>
-              <a:t>2022-04-11</a:t>
+              <a:t>2022-04-12</a:t>
             </a:fld>
             <a:endParaRPr lang="ko-KR" altLang="en-US"/>
           </a:p>
@@ -2986,7 +2986,7 @@
           <a:p>
             <a:fld id="{FA9990B5-254E-40FE-9F68-930B6ABEB22F}" type="datetimeFigureOut">
               <a:rPr lang="ko-KR" altLang="en-US" smtClean="0"/>
-              <a:t>2022-04-11</a:t>
+              <a:t>2022-04-12</a:t>
             </a:fld>
             <a:endParaRPr lang="ko-KR" altLang="en-US"/>
           </a:p>
@@ -3497,6 +3497,52 @@
           </a:prstGeom>
         </p:spPr>
       </p:pic>
+      <p:sp>
+        <p:nvSpPr>
+          <p:cNvPr id="5" name="TextBox 4">
+            <a:extLst>
+              <a:ext uri="{FF2B5EF4-FFF2-40B4-BE49-F238E27FC236}">
+                <a16:creationId xmlns:a16="http://schemas.microsoft.com/office/drawing/2014/main" id="{6CB940B7-5777-4622-A59C-2310EB80914F}"/>
+              </a:ext>
+            </a:extLst>
+          </p:cNvPr>
+          <p:cNvSpPr txBox="1"/>
+          <p:nvPr/>
+        </p:nvSpPr>
+        <p:spPr>
+          <a:xfrm>
+            <a:off x="0" y="6211669"/>
+            <a:ext cx="2805576" cy="646331"/>
+          </a:xfrm>
+          <a:prstGeom prst="rect">
+            <a:avLst/>
+          </a:prstGeom>
+          <a:noFill/>
+        </p:spPr>
+        <p:txBody>
+          <a:bodyPr wrap="none" rtlCol="0">
+            <a:spAutoFit/>
+          </a:bodyPr>
+          <a:lstStyle/>
+          <a:p>
+            <a:r>
+              <a:rPr lang="ko-KR" altLang="en-US" dirty="0"/>
+              <a:t>경희대학교 컴퓨터공학과</a:t>
+            </a:r>
+            <a:endParaRPr lang="en-US" altLang="ko-KR" dirty="0"/>
+          </a:p>
+          <a:p>
+            <a:r>
+              <a:rPr lang="en-US" altLang="ko-KR" dirty="0"/>
+              <a:t>2019102191 </a:t>
+            </a:r>
+            <a:r>
+              <a:rPr lang="ko-KR" altLang="en-US" dirty="0"/>
+              <a:t>신주영</a:t>
+            </a:r>
+          </a:p>
+        </p:txBody>
+      </p:sp>
     </p:spTree>
     <p:extLst>
       <p:ext uri="{BB962C8B-B14F-4D97-AF65-F5344CB8AC3E}">
@@ -3620,6 +3666,52 @@
           </a:prstGeom>
         </p:spPr>
       </p:pic>
+      <p:sp>
+        <p:nvSpPr>
+          <p:cNvPr id="5" name="TextBox 4">
+            <a:extLst>
+              <a:ext uri="{FF2B5EF4-FFF2-40B4-BE49-F238E27FC236}">
+                <a16:creationId xmlns:a16="http://schemas.microsoft.com/office/drawing/2014/main" id="{83984B32-A29F-4590-8194-F734B80F5911}"/>
+              </a:ext>
+            </a:extLst>
+          </p:cNvPr>
+          <p:cNvSpPr txBox="1"/>
+          <p:nvPr/>
+        </p:nvSpPr>
+        <p:spPr>
+          <a:xfrm>
+            <a:off x="0" y="6211669"/>
+            <a:ext cx="2805576" cy="646331"/>
+          </a:xfrm>
+          <a:prstGeom prst="rect">
+            <a:avLst/>
+          </a:prstGeom>
+          <a:noFill/>
+        </p:spPr>
+        <p:txBody>
+          <a:bodyPr wrap="none" rtlCol="0">
+            <a:spAutoFit/>
+          </a:bodyPr>
+          <a:lstStyle/>
+          <a:p>
+            <a:r>
+              <a:rPr lang="ko-KR" altLang="en-US" dirty="0"/>
+              <a:t>경희대학교 컴퓨터공학과</a:t>
+            </a:r>
+            <a:endParaRPr lang="en-US" altLang="ko-KR" dirty="0"/>
+          </a:p>
+          <a:p>
+            <a:r>
+              <a:rPr lang="en-US" altLang="ko-KR" dirty="0"/>
+              <a:t>2019102191 </a:t>
+            </a:r>
+            <a:r>
+              <a:rPr lang="ko-KR" altLang="en-US" dirty="0"/>
+              <a:t>신주영</a:t>
+            </a:r>
+          </a:p>
+        </p:txBody>
+      </p:sp>
     </p:spTree>
     <p:extLst>
       <p:ext uri="{BB962C8B-B14F-4D97-AF65-F5344CB8AC3E}">
@@ -11134,8 +11226,8 @@
           </p:sp>
         </mc:Fallback>
       </mc:AlternateContent>
-      <mc:AlternateContent xmlns:mc="http://schemas.openxmlformats.org/markup-compatibility/2006">
-        <mc:Choice xmlns:a14="http://schemas.microsoft.com/office/drawing/2010/main" Requires="a14">
+      <mc:AlternateContent xmlns:mc="http://schemas.openxmlformats.org/markup-compatibility/2006" xmlns:a14="http://schemas.microsoft.com/office/drawing/2010/main">
+        <mc:Choice Requires="a14">
           <p:sp>
             <p:nvSpPr>
               <p:cNvPr id="3" name="내용 개체 틀 2">
@@ -11169,15 +11261,21 @@
                 <a14:m>
                   <m:oMath xmlns:m="http://schemas.openxmlformats.org/officeDocument/2006/math">
                     <m:r>
-                      <a:rPr lang="en-US" altLang="ko-KR" b="0" i="0" smtClean="0"/>
+                      <a:rPr lang="en-US" altLang="ko-KR" b="0" i="0" smtClean="0">
+                        <a:latin typeface="Cambria Math" panose="02040503050406030204" pitchFamily="18" charset="0"/>
+                      </a:rPr>
                       <m:t> </m:t>
                     </m:r>
                     <m:r>
-                      <a:rPr lang="ko-KR" altLang="en-US" i="1"/>
+                      <a:rPr lang="ko-KR" altLang="en-US" i="1">
+                        <a:latin typeface="Cambria Math" panose="02040503050406030204" pitchFamily="18" charset="0"/>
+                      </a:rPr>
                       <m:t>𝛼</m:t>
                     </m:r>
                     <m:r>
-                      <a:rPr lang="en-US" altLang="ko-KR" b="0" i="1" smtClean="0"/>
+                      <a:rPr lang="en-US" altLang="ko-KR" b="0" i="1" smtClean="0">
+                        <a:latin typeface="Cambria Math" panose="02040503050406030204" pitchFamily="18" charset="0"/>
+                      </a:rPr>
                       <m:t> </m:t>
                     </m:r>
                   </m:oMath>
@@ -11205,15 +11303,21 @@
                 <a14:m>
                   <m:oMath xmlns:m="http://schemas.openxmlformats.org/officeDocument/2006/math">
                     <m:r>
-                      <a:rPr lang="en-US" altLang="ko-KR" b="0" i="0" smtClean="0"/>
+                      <a:rPr lang="en-US" altLang="ko-KR" b="0" i="0" smtClean="0">
+                        <a:latin typeface="Cambria Math" panose="02040503050406030204" pitchFamily="18" charset="0"/>
+                      </a:rPr>
                       <m:t> </m:t>
                     </m:r>
                     <m:r>
-                      <a:rPr lang="ko-KR" altLang="en-US" i="1"/>
+                      <a:rPr lang="ko-KR" altLang="en-US" i="1">
+                        <a:latin typeface="Cambria Math" panose="02040503050406030204" pitchFamily="18" charset="0"/>
+                      </a:rPr>
                       <m:t>𝛼</m:t>
                     </m:r>
                     <m:r>
-                      <a:rPr lang="en-US" altLang="ko-KR" b="0" i="1" smtClean="0"/>
+                      <a:rPr lang="en-US" altLang="ko-KR" b="0" i="1" smtClean="0">
+                        <a:latin typeface="Cambria Math" panose="02040503050406030204" pitchFamily="18" charset="0"/>
+                      </a:rPr>
                       <m:t> </m:t>
                     </m:r>
                   </m:oMath>
@@ -11241,15 +11345,21 @@
                 <a14:m>
                   <m:oMath xmlns:m="http://schemas.openxmlformats.org/officeDocument/2006/math">
                     <m:r>
-                      <a:rPr lang="en-US" altLang="ko-KR" b="0" i="0" smtClean="0"/>
+                      <a:rPr lang="en-US" altLang="ko-KR" b="0" i="0" smtClean="0">
+                        <a:latin typeface="Cambria Math" panose="02040503050406030204" pitchFamily="18" charset="0"/>
+                      </a:rPr>
                       <m:t> </m:t>
                     </m:r>
                     <m:r>
-                      <a:rPr lang="ko-KR" altLang="en-US" i="1"/>
+                      <a:rPr lang="ko-KR" altLang="en-US" i="1">
+                        <a:latin typeface="Cambria Math" panose="02040503050406030204" pitchFamily="18" charset="0"/>
+                      </a:rPr>
                       <m:t>𝛼</m:t>
                     </m:r>
                     <m:r>
-                      <a:rPr lang="en-US" altLang="ko-KR" b="0" i="1" smtClean="0"/>
+                      <a:rPr lang="en-US" altLang="ko-KR" b="0" i="1" smtClean="0">
+                        <a:latin typeface="Cambria Math" panose="02040503050406030204" pitchFamily="18" charset="0"/>
+                      </a:rPr>
                       <m:t> </m:t>
                     </m:r>
                   </m:oMath>
@@ -11268,7 +11378,7 @@
             </p:txBody>
           </p:sp>
         </mc:Choice>
-        <mc:Fallback>
+        <mc:Fallback xmlns="">
           <p:sp>
             <p:nvSpPr>
               <p:cNvPr id="3" name="내용 개체 틀 2">
@@ -11587,8 +11697,8 @@
           </a:p>
         </p:txBody>
       </p:sp>
-      <mc:AlternateContent xmlns:mc="http://schemas.openxmlformats.org/markup-compatibility/2006">
-        <mc:Choice xmlns:a14="http://schemas.microsoft.com/office/drawing/2010/main" Requires="a14">
+      <mc:AlternateContent xmlns:mc="http://schemas.openxmlformats.org/markup-compatibility/2006" xmlns:a14="http://schemas.microsoft.com/office/drawing/2010/main">
+        <mc:Choice Requires="a14">
           <p:sp>
             <p:nvSpPr>
               <p:cNvPr id="3" name="내용 개체 틀 2">
@@ -11925,7 +12035,7 @@
             </p:txBody>
           </p:sp>
         </mc:Choice>
-        <mc:Fallback>
+        <mc:Fallback xmlns="">
           <p:sp>
             <p:nvSpPr>
               <p:cNvPr id="3" name="내용 개체 틀 2">
@@ -12125,6 +12235,52 @@
           </a:prstGeom>
         </p:spPr>
       </p:pic>
+      <p:sp>
+        <p:nvSpPr>
+          <p:cNvPr id="5" name="TextBox 4">
+            <a:extLst>
+              <a:ext uri="{FF2B5EF4-FFF2-40B4-BE49-F238E27FC236}">
+                <a16:creationId xmlns:a16="http://schemas.microsoft.com/office/drawing/2014/main" id="{A154B597-5A20-40AD-8104-62384AB40331}"/>
+              </a:ext>
+            </a:extLst>
+          </p:cNvPr>
+          <p:cNvSpPr txBox="1"/>
+          <p:nvPr/>
+        </p:nvSpPr>
+        <p:spPr>
+          <a:xfrm>
+            <a:off x="0" y="6211669"/>
+            <a:ext cx="2805576" cy="646331"/>
+          </a:xfrm>
+          <a:prstGeom prst="rect">
+            <a:avLst/>
+          </a:prstGeom>
+          <a:noFill/>
+        </p:spPr>
+        <p:txBody>
+          <a:bodyPr wrap="none" rtlCol="0">
+            <a:spAutoFit/>
+          </a:bodyPr>
+          <a:lstStyle/>
+          <a:p>
+            <a:r>
+              <a:rPr lang="ko-KR" altLang="en-US" dirty="0"/>
+              <a:t>경희대학교 컴퓨터공학과</a:t>
+            </a:r>
+            <a:endParaRPr lang="en-US" altLang="ko-KR" dirty="0"/>
+          </a:p>
+          <a:p>
+            <a:r>
+              <a:rPr lang="en-US" altLang="ko-KR" dirty="0"/>
+              <a:t>2019102191 </a:t>
+            </a:r>
+            <a:r>
+              <a:rPr lang="ko-KR" altLang="en-US" dirty="0"/>
+              <a:t>신주영</a:t>
+            </a:r>
+          </a:p>
+        </p:txBody>
+      </p:sp>
     </p:spTree>
     <p:extLst>
       <p:ext uri="{BB962C8B-B14F-4D97-AF65-F5344CB8AC3E}">
@@ -14181,6 +14337,52 @@
           </a:prstGeom>
         </p:spPr>
       </p:pic>
+      <p:sp>
+        <p:nvSpPr>
+          <p:cNvPr id="5" name="TextBox 4">
+            <a:extLst>
+              <a:ext uri="{FF2B5EF4-FFF2-40B4-BE49-F238E27FC236}">
+                <a16:creationId xmlns:a16="http://schemas.microsoft.com/office/drawing/2014/main" id="{57FAB450-5B84-46AB-B5C3-7B720A73068A}"/>
+              </a:ext>
+            </a:extLst>
+          </p:cNvPr>
+          <p:cNvSpPr txBox="1"/>
+          <p:nvPr/>
+        </p:nvSpPr>
+        <p:spPr>
+          <a:xfrm>
+            <a:off x="0" y="6211669"/>
+            <a:ext cx="2805576" cy="646331"/>
+          </a:xfrm>
+          <a:prstGeom prst="rect">
+            <a:avLst/>
+          </a:prstGeom>
+          <a:noFill/>
+        </p:spPr>
+        <p:txBody>
+          <a:bodyPr wrap="none" rtlCol="0">
+            <a:spAutoFit/>
+          </a:bodyPr>
+          <a:lstStyle/>
+          <a:p>
+            <a:r>
+              <a:rPr lang="ko-KR" altLang="en-US" dirty="0"/>
+              <a:t>경희대학교 컴퓨터공학과</a:t>
+            </a:r>
+            <a:endParaRPr lang="en-US" altLang="ko-KR" dirty="0"/>
+          </a:p>
+          <a:p>
+            <a:r>
+              <a:rPr lang="en-US" altLang="ko-KR" dirty="0"/>
+              <a:t>2019102191 </a:t>
+            </a:r>
+            <a:r>
+              <a:rPr lang="ko-KR" altLang="en-US" dirty="0"/>
+              <a:t>신주영</a:t>
+            </a:r>
+          </a:p>
+        </p:txBody>
+      </p:sp>
     </p:spTree>
     <p:extLst>
       <p:ext uri="{BB962C8B-B14F-4D97-AF65-F5344CB8AC3E}">
@@ -15226,6 +15428,52 @@
           </a:prstGeom>
         </p:spPr>
       </p:pic>
+      <p:sp>
+        <p:nvSpPr>
+          <p:cNvPr id="5" name="TextBox 4">
+            <a:extLst>
+              <a:ext uri="{FF2B5EF4-FFF2-40B4-BE49-F238E27FC236}">
+                <a16:creationId xmlns:a16="http://schemas.microsoft.com/office/drawing/2014/main" id="{EBF67165-2E7D-490E-B0DB-9DA83FB32E68}"/>
+              </a:ext>
+            </a:extLst>
+          </p:cNvPr>
+          <p:cNvSpPr txBox="1"/>
+          <p:nvPr/>
+        </p:nvSpPr>
+        <p:spPr>
+          <a:xfrm>
+            <a:off x="0" y="6211669"/>
+            <a:ext cx="2805576" cy="646331"/>
+          </a:xfrm>
+          <a:prstGeom prst="rect">
+            <a:avLst/>
+          </a:prstGeom>
+          <a:noFill/>
+        </p:spPr>
+        <p:txBody>
+          <a:bodyPr wrap="none" rtlCol="0">
+            <a:spAutoFit/>
+          </a:bodyPr>
+          <a:lstStyle/>
+          <a:p>
+            <a:r>
+              <a:rPr lang="ko-KR" altLang="en-US" dirty="0"/>
+              <a:t>경희대학교 컴퓨터공학과</a:t>
+            </a:r>
+            <a:endParaRPr lang="en-US" altLang="ko-KR" dirty="0"/>
+          </a:p>
+          <a:p>
+            <a:r>
+              <a:rPr lang="en-US" altLang="ko-KR" dirty="0"/>
+              <a:t>2019102191 </a:t>
+            </a:r>
+            <a:r>
+              <a:rPr lang="ko-KR" altLang="en-US" dirty="0"/>
+              <a:t>신주영</a:t>
+            </a:r>
+          </a:p>
+        </p:txBody>
+      </p:sp>
     </p:spTree>
     <p:extLst>
       <p:ext uri="{BB962C8B-B14F-4D97-AF65-F5344CB8AC3E}">
@@ -16554,6 +16802,52 @@
           </a:prstGeom>
         </p:spPr>
       </p:pic>
+      <p:sp>
+        <p:nvSpPr>
+          <p:cNvPr id="5" name="TextBox 4">
+            <a:extLst>
+              <a:ext uri="{FF2B5EF4-FFF2-40B4-BE49-F238E27FC236}">
+                <a16:creationId xmlns:a16="http://schemas.microsoft.com/office/drawing/2014/main" id="{C3FC0955-D45D-4FBF-AA58-77875DF042DB}"/>
+              </a:ext>
+            </a:extLst>
+          </p:cNvPr>
+          <p:cNvSpPr txBox="1"/>
+          <p:nvPr/>
+        </p:nvSpPr>
+        <p:spPr>
+          <a:xfrm>
+            <a:off x="0" y="6211669"/>
+            <a:ext cx="2805576" cy="646331"/>
+          </a:xfrm>
+          <a:prstGeom prst="rect">
+            <a:avLst/>
+          </a:prstGeom>
+          <a:noFill/>
+        </p:spPr>
+        <p:txBody>
+          <a:bodyPr wrap="none" rtlCol="0">
+            <a:spAutoFit/>
+          </a:bodyPr>
+          <a:lstStyle/>
+          <a:p>
+            <a:r>
+              <a:rPr lang="ko-KR" altLang="en-US" dirty="0"/>
+              <a:t>경희대학교 컴퓨터공학과</a:t>
+            </a:r>
+            <a:endParaRPr lang="en-US" altLang="ko-KR" dirty="0"/>
+          </a:p>
+          <a:p>
+            <a:r>
+              <a:rPr lang="en-US" altLang="ko-KR" dirty="0"/>
+              <a:t>2019102191 </a:t>
+            </a:r>
+            <a:r>
+              <a:rPr lang="ko-KR" altLang="en-US" dirty="0"/>
+              <a:t>신주영</a:t>
+            </a:r>
+          </a:p>
+        </p:txBody>
+      </p:sp>
     </p:spTree>
     <p:extLst>
       <p:ext uri="{BB962C8B-B14F-4D97-AF65-F5344CB8AC3E}">
@@ -20742,6 +21036,52 @@
           </a:prstGeom>
         </p:spPr>
       </p:pic>
+      <p:sp>
+        <p:nvSpPr>
+          <p:cNvPr id="5" name="TextBox 4">
+            <a:extLst>
+              <a:ext uri="{FF2B5EF4-FFF2-40B4-BE49-F238E27FC236}">
+                <a16:creationId xmlns:a16="http://schemas.microsoft.com/office/drawing/2014/main" id="{AF33333B-B66A-4C90-ACD4-F2A6DB403B8C}"/>
+              </a:ext>
+            </a:extLst>
+          </p:cNvPr>
+          <p:cNvSpPr txBox="1"/>
+          <p:nvPr/>
+        </p:nvSpPr>
+        <p:spPr>
+          <a:xfrm>
+            <a:off x="0" y="6211669"/>
+            <a:ext cx="2805576" cy="646331"/>
+          </a:xfrm>
+          <a:prstGeom prst="rect">
+            <a:avLst/>
+          </a:prstGeom>
+          <a:noFill/>
+        </p:spPr>
+        <p:txBody>
+          <a:bodyPr wrap="none" rtlCol="0">
+            <a:spAutoFit/>
+          </a:bodyPr>
+          <a:lstStyle/>
+          <a:p>
+            <a:r>
+              <a:rPr lang="ko-KR" altLang="en-US" dirty="0"/>
+              <a:t>경희대학교 컴퓨터공학과</a:t>
+            </a:r>
+            <a:endParaRPr lang="en-US" altLang="ko-KR" dirty="0"/>
+          </a:p>
+          <a:p>
+            <a:r>
+              <a:rPr lang="en-US" altLang="ko-KR" dirty="0"/>
+              <a:t>2019102191 </a:t>
+            </a:r>
+            <a:r>
+              <a:rPr lang="ko-KR" altLang="en-US" dirty="0"/>
+              <a:t>신주영</a:t>
+            </a:r>
+          </a:p>
+        </p:txBody>
+      </p:sp>
     </p:spTree>
     <p:extLst>
       <p:ext uri="{BB962C8B-B14F-4D97-AF65-F5344CB8AC3E}">
@@ -21346,8 +21686,8 @@
           </a:p>
         </p:txBody>
       </p:sp>
-      <mc:AlternateContent xmlns:mc="http://schemas.openxmlformats.org/markup-compatibility/2006">
-        <mc:Choice xmlns:a14="http://schemas.microsoft.com/office/drawing/2010/main" Requires="a14">
+      <mc:AlternateContent xmlns:mc="http://schemas.openxmlformats.org/markup-compatibility/2006" xmlns:a14="http://schemas.microsoft.com/office/drawing/2010/main">
+        <mc:Choice Requires="a14">
           <p:sp>
             <p:nvSpPr>
               <p:cNvPr id="3" name="내용 개체 틀 2">
@@ -21559,7 +21899,7 @@
             </p:txBody>
           </p:sp>
         </mc:Choice>
-        <mc:Fallback>
+        <mc:Fallback xmlns="">
           <p:sp>
             <p:nvSpPr>
               <p:cNvPr id="3" name="내용 개체 틀 2">
@@ -23013,6 +23353,52 @@
           </a:prstGeom>
         </p:spPr>
       </p:pic>
+      <p:sp>
+        <p:nvSpPr>
+          <p:cNvPr id="5" name="TextBox 4">
+            <a:extLst>
+              <a:ext uri="{FF2B5EF4-FFF2-40B4-BE49-F238E27FC236}">
+                <a16:creationId xmlns:a16="http://schemas.microsoft.com/office/drawing/2014/main" id="{07210762-87D8-484E-B78A-F8E017D32860}"/>
+              </a:ext>
+            </a:extLst>
+          </p:cNvPr>
+          <p:cNvSpPr txBox="1"/>
+          <p:nvPr/>
+        </p:nvSpPr>
+        <p:spPr>
+          <a:xfrm>
+            <a:off x="0" y="6211669"/>
+            <a:ext cx="2805576" cy="646331"/>
+          </a:xfrm>
+          <a:prstGeom prst="rect">
+            <a:avLst/>
+          </a:prstGeom>
+          <a:noFill/>
+        </p:spPr>
+        <p:txBody>
+          <a:bodyPr wrap="none" rtlCol="0">
+            <a:spAutoFit/>
+          </a:bodyPr>
+          <a:lstStyle/>
+          <a:p>
+            <a:r>
+              <a:rPr lang="ko-KR" altLang="en-US" dirty="0"/>
+              <a:t>경희대학교 컴퓨터공학과</a:t>
+            </a:r>
+            <a:endParaRPr lang="en-US" altLang="ko-KR" dirty="0"/>
+          </a:p>
+          <a:p>
+            <a:r>
+              <a:rPr lang="en-US" altLang="ko-KR" dirty="0"/>
+              <a:t>2019102191 </a:t>
+            </a:r>
+            <a:r>
+              <a:rPr lang="ko-KR" altLang="en-US" dirty="0"/>
+              <a:t>신주영</a:t>
+            </a:r>
+          </a:p>
+        </p:txBody>
+      </p:sp>
     </p:spTree>
     <p:extLst>
       <p:ext uri="{BB962C8B-B14F-4D97-AF65-F5344CB8AC3E}">
@@ -25791,6 +26177,52 @@
           </a:prstGeom>
         </p:spPr>
       </p:pic>
+      <p:sp>
+        <p:nvSpPr>
+          <p:cNvPr id="5" name="TextBox 4">
+            <a:extLst>
+              <a:ext uri="{FF2B5EF4-FFF2-40B4-BE49-F238E27FC236}">
+                <a16:creationId xmlns:a16="http://schemas.microsoft.com/office/drawing/2014/main" id="{97E1A631-E1D6-495B-908A-C0473F974F8C}"/>
+              </a:ext>
+            </a:extLst>
+          </p:cNvPr>
+          <p:cNvSpPr txBox="1"/>
+          <p:nvPr/>
+        </p:nvSpPr>
+        <p:spPr>
+          <a:xfrm>
+            <a:off x="0" y="6211669"/>
+            <a:ext cx="2805576" cy="646331"/>
+          </a:xfrm>
+          <a:prstGeom prst="rect">
+            <a:avLst/>
+          </a:prstGeom>
+          <a:noFill/>
+        </p:spPr>
+        <p:txBody>
+          <a:bodyPr wrap="none" rtlCol="0">
+            <a:spAutoFit/>
+          </a:bodyPr>
+          <a:lstStyle/>
+          <a:p>
+            <a:r>
+              <a:rPr lang="ko-KR" altLang="en-US" dirty="0"/>
+              <a:t>경희대학교 컴퓨터공학과</a:t>
+            </a:r>
+            <a:endParaRPr lang="en-US" altLang="ko-KR" dirty="0"/>
+          </a:p>
+          <a:p>
+            <a:r>
+              <a:rPr lang="en-US" altLang="ko-KR" dirty="0"/>
+              <a:t>2019102191 </a:t>
+            </a:r>
+            <a:r>
+              <a:rPr lang="ko-KR" altLang="en-US" dirty="0"/>
+              <a:t>신주영</a:t>
+            </a:r>
+          </a:p>
+        </p:txBody>
+      </p:sp>
     </p:spTree>
     <p:extLst>
       <p:ext uri="{BB962C8B-B14F-4D97-AF65-F5344CB8AC3E}">
